--- a/TVCHH/TVCHH 321 - Huyền Diệu Đêm Thánh.pptx
+++ b/TVCHH/TVCHH 321 - Huyền Diệu Đêm Thánh.pptx
@@ -174,10 +174,9 @@
           <a:lstStyle/>
           <a:p>
             <a:r>
-              <a:rPr lang="en-US" smtClean="0"/>
+              <a:rPr lang="en-US"/>
               <a:t>Click to edit Master title style</a:t>
             </a:r>
-            <a:endParaRPr lang="en-US"/>
           </a:p>
         </p:txBody>
       </p:sp>
@@ -293,10 +292,9 @@
           </a:lstStyle>
           <a:p>
             <a:r>
-              <a:rPr lang="en-US" smtClean="0"/>
+              <a:rPr lang="en-US"/>
               <a:t>Click to edit Master subtitle style</a:t>
             </a:r>
-            <a:endParaRPr lang="en-US"/>
           </a:p>
         </p:txBody>
       </p:sp>
@@ -324,7 +322,7 @@
                 </a:solidFill>
               </a:rPr>
               <a:pPr/>
-              <a:t>20/01/2015</a:t>
+              <a:t>Sun, 12/6/2020</a:t>
             </a:fld>
             <a:endParaRPr lang="en-US">
               <a:solidFill>
@@ -407,13 +405,6 @@
   <p:clrMapOvr>
     <a:masterClrMapping/>
   </p:clrMapOvr>
-  <p:timing>
-    <p:tnLst>
-      <p:par>
-        <p:cTn id="1" dur="indefinite" restart="never" nodeType="tmRoot"/>
-      </p:par>
-    </p:tnLst>
-  </p:timing>
 </p:sldLayout>
 </file>
 
@@ -450,10 +441,9 @@
           <a:lstStyle/>
           <a:p>
             <a:r>
-              <a:rPr lang="en-US" smtClean="0"/>
+              <a:rPr lang="en-US"/>
               <a:t>Click to edit Master title style</a:t>
             </a:r>
-            <a:endParaRPr lang="en-US"/>
           </a:p>
         </p:txBody>
       </p:sp>
@@ -474,38 +464,37 @@
           <a:p>
             <a:pPr lvl="0"/>
             <a:r>
-              <a:rPr lang="en-US" smtClean="0"/>
+              <a:rPr lang="en-US"/>
               <a:t>Click to edit Master text styles</a:t>
             </a:r>
           </a:p>
           <a:p>
             <a:pPr lvl="1"/>
             <a:r>
-              <a:rPr lang="en-US" smtClean="0"/>
+              <a:rPr lang="en-US"/>
               <a:t>Second level</a:t>
             </a:r>
           </a:p>
           <a:p>
             <a:pPr lvl="2"/>
             <a:r>
-              <a:rPr lang="en-US" smtClean="0"/>
+              <a:rPr lang="en-US"/>
               <a:t>Third level</a:t>
             </a:r>
           </a:p>
           <a:p>
             <a:pPr lvl="3"/>
             <a:r>
-              <a:rPr lang="en-US" smtClean="0"/>
+              <a:rPr lang="en-US"/>
               <a:t>Fourth level</a:t>
             </a:r>
           </a:p>
           <a:p>
             <a:pPr lvl="4"/>
             <a:r>
-              <a:rPr lang="en-US" smtClean="0"/>
+              <a:rPr lang="en-US"/>
               <a:t>Fifth level</a:t>
             </a:r>
-            <a:endParaRPr lang="en-US"/>
           </a:p>
         </p:txBody>
       </p:sp>
@@ -533,7 +522,7 @@
                 </a:solidFill>
               </a:rPr>
               <a:pPr/>
-              <a:t>20/01/2015</a:t>
+              <a:t>Sun, 12/6/2020</a:t>
             </a:fld>
             <a:endParaRPr lang="en-US">
               <a:solidFill>
@@ -652,10 +641,9 @@
           <a:lstStyle/>
           <a:p>
             <a:r>
-              <a:rPr lang="en-US" smtClean="0"/>
+              <a:rPr lang="en-US"/>
               <a:t>Click to edit Master title style</a:t>
             </a:r>
-            <a:endParaRPr lang="en-US"/>
           </a:p>
         </p:txBody>
       </p:sp>
@@ -676,38 +664,37 @@
           <a:p>
             <a:pPr lvl="0"/>
             <a:r>
-              <a:rPr lang="en-US" smtClean="0"/>
+              <a:rPr lang="en-US"/>
               <a:t>Click to edit Master text styles</a:t>
             </a:r>
           </a:p>
           <a:p>
             <a:pPr lvl="1"/>
             <a:r>
-              <a:rPr lang="en-US" smtClean="0"/>
+              <a:rPr lang="en-US"/>
               <a:t>Second level</a:t>
             </a:r>
           </a:p>
           <a:p>
             <a:pPr lvl="2"/>
             <a:r>
-              <a:rPr lang="en-US" smtClean="0"/>
+              <a:rPr lang="en-US"/>
               <a:t>Third level</a:t>
             </a:r>
           </a:p>
           <a:p>
             <a:pPr lvl="3"/>
             <a:r>
-              <a:rPr lang="en-US" smtClean="0"/>
+              <a:rPr lang="en-US"/>
               <a:t>Fourth level</a:t>
             </a:r>
           </a:p>
           <a:p>
             <a:pPr lvl="4"/>
             <a:r>
-              <a:rPr lang="en-US" smtClean="0"/>
+              <a:rPr lang="en-US"/>
               <a:t>Fifth level</a:t>
             </a:r>
-            <a:endParaRPr lang="en-US"/>
           </a:p>
         </p:txBody>
       </p:sp>
@@ -744,7 +731,7 @@
               <a:pPr>
                 <a:defRPr/>
               </a:pPr>
-              <a:t>20/01/2015</a:t>
+              <a:t>Sun, 12/6/2020</a:t>
             </a:fld>
             <a:endParaRPr lang="en-US">
               <a:solidFill>
@@ -843,13 +830,6 @@
   <p:clrMapOvr>
     <a:masterClrMapping/>
   </p:clrMapOvr>
-  <p:timing>
-    <p:tnLst>
-      <p:par>
-        <p:cTn id="1" dur="indefinite" restart="never" nodeType="tmRoot"/>
-      </p:par>
-    </p:tnLst>
-  </p:timing>
 </p:sldLayout>
 </file>
 
@@ -901,10 +881,9 @@
           <a:lstStyle/>
           <a:p>
             <a:r>
-              <a:rPr lang="en-US" smtClean="0"/>
+              <a:rPr lang="en-US"/>
               <a:t>Click to edit Master title style</a:t>
             </a:r>
-            <a:endParaRPr lang="en-US"/>
           </a:p>
         </p:txBody>
       </p:sp>
@@ -935,38 +914,37 @@
           <a:p>
             <a:pPr lvl="0"/>
             <a:r>
-              <a:rPr lang="en-US" smtClean="0"/>
+              <a:rPr lang="en-US"/>
               <a:t>Click to edit Master text styles</a:t>
             </a:r>
           </a:p>
           <a:p>
             <a:pPr lvl="1"/>
             <a:r>
-              <a:rPr lang="en-US" smtClean="0"/>
+              <a:rPr lang="en-US"/>
               <a:t>Second level</a:t>
             </a:r>
           </a:p>
           <a:p>
             <a:pPr lvl="2"/>
             <a:r>
-              <a:rPr lang="en-US" smtClean="0"/>
+              <a:rPr lang="en-US"/>
               <a:t>Third level</a:t>
             </a:r>
           </a:p>
           <a:p>
             <a:pPr lvl="3"/>
             <a:r>
-              <a:rPr lang="en-US" smtClean="0"/>
+              <a:rPr lang="en-US"/>
               <a:t>Fourth level</a:t>
             </a:r>
           </a:p>
           <a:p>
             <a:pPr lvl="4"/>
             <a:r>
-              <a:rPr lang="en-US" smtClean="0"/>
+              <a:rPr lang="en-US"/>
               <a:t>Fifth level</a:t>
             </a:r>
-            <a:endParaRPr lang="en-US"/>
           </a:p>
         </p:txBody>
       </p:sp>
@@ -1012,7 +990,7 @@
                 </a:solidFill>
               </a:rPr>
               <a:pPr/>
-              <a:t>20/01/2015</a:t>
+              <a:t>Sun, 12/6/2020</a:t>
             </a:fld>
             <a:endParaRPr lang="en-US">
               <a:solidFill>
@@ -1157,13 +1135,6 @@
     <p:sldLayoutId id="2147483661" r:id="rId1"/>
     <p:sldLayoutId id="2147483662" r:id="rId2"/>
   </p:sldLayoutIdLst>
-  <p:timing>
-    <p:tnLst>
-      <p:par>
-        <p:cTn id="1" dur="indefinite" restart="never" nodeType="tmRoot"/>
-      </p:par>
-    </p:tnLst>
-  </p:timing>
   <p:txStyles>
     <p:titleStyle>
       <a:lvl1pPr algn="ctr" defTabSz="914400" rtl="0" eaLnBrk="1" latinLnBrk="0" hangingPunct="1">
@@ -1478,7 +1449,7 @@
           <a:p>
             <a:pPr lvl="0"/>
             <a:r>
-              <a:rPr lang="en-US" smtClean="0"/>
+              <a:rPr lang="en-US"/>
               <a:t>Click to edit Master title style</a:t>
             </a:r>
           </a:p>
@@ -1520,35 +1491,35 @@
           <a:p>
             <a:pPr lvl="0"/>
             <a:r>
-              <a:rPr lang="en-US" smtClean="0"/>
+              <a:rPr lang="en-US"/>
               <a:t>Click to edit Master text styles</a:t>
             </a:r>
           </a:p>
           <a:p>
             <a:pPr lvl="1"/>
             <a:r>
-              <a:rPr lang="en-US" smtClean="0"/>
+              <a:rPr lang="en-US"/>
               <a:t>Second level</a:t>
             </a:r>
           </a:p>
           <a:p>
             <a:pPr lvl="2"/>
             <a:r>
-              <a:rPr lang="en-US" smtClean="0"/>
+              <a:rPr lang="en-US"/>
               <a:t>Third level</a:t>
             </a:r>
           </a:p>
           <a:p>
             <a:pPr lvl="3"/>
             <a:r>
-              <a:rPr lang="en-US" smtClean="0"/>
+              <a:rPr lang="en-US"/>
               <a:t>Fourth level</a:t>
             </a:r>
           </a:p>
           <a:p>
             <a:pPr lvl="4"/>
             <a:r>
-              <a:rPr lang="en-US" smtClean="0"/>
+              <a:rPr lang="en-US"/>
               <a:t>Fifth level</a:t>
             </a:r>
           </a:p>
@@ -1608,7 +1579,7 @@
               <a:pPr>
                 <a:defRPr/>
               </a:pPr>
-              <a:t>20/01/2015</a:t>
+              <a:t>Sun, 12/6/2020</a:t>
             </a:fld>
             <a:endParaRPr lang="en-US">
               <a:solidFill>
@@ -1907,13 +1878,6 @@
   <p:sldLayoutIdLst>
     <p:sldLayoutId id="2147483664" r:id="rId1"/>
   </p:sldLayoutIdLst>
-  <p:timing>
-    <p:tnLst>
-      <p:par>
-        <p:cTn id="1" dur="indefinite" restart="never" nodeType="tmRoot"/>
-      </p:par>
-    </p:tnLst>
-  </p:timing>
   <p:txStyles>
     <p:titleStyle>
       <a:lvl1pPr algn="ctr" rtl="0" fontAlgn="base">
@@ -2329,8 +2293,8 @@
         </p:nvSpPr>
         <p:spPr>
           <a:xfrm>
-            <a:off x="2743200" y="381000"/>
-            <a:ext cx="6172200" cy="990600"/>
+            <a:off x="2552700" y="304800"/>
+            <a:ext cx="6705600" cy="990600"/>
           </a:xfrm>
           <a:prstGeom prst="rect">
             <a:avLst/>
@@ -2366,24 +2330,78 @@
                 <a:solidFill>
                   <a:prstClr val="white"/>
                 </a:solidFill>
-                <a:latin typeface="HP-Busorama" pitchFamily="34" charset="0"/>
+                <a:latin typeface="VNI-Times" pitchFamily="2" charset="0"/>
               </a:rPr>
               <a:t>Toân</a:t>
             </a:r>
             <a:r>
-              <a:rPr lang="en-US" sz="3200" b="1">
+              <a:rPr lang="en-US" sz="3200" b="1" dirty="0">
                 <a:solidFill>
                   <a:prstClr val="white"/>
                 </a:solidFill>
-                <a:latin typeface="HP-Busorama" pitchFamily="34" charset="0"/>
-              </a:rPr>
-              <a:t> vinh Chuùa - bieät THAÙNH CA</a:t>
-            </a:r>
-            <a:endParaRPr lang="en-US" sz="3200">
+                <a:latin typeface="VNI-Times" pitchFamily="2" charset="0"/>
+              </a:rPr>
+              <a:t> </a:t>
+            </a:r>
+            <a:r>
+              <a:rPr lang="en-US" sz="3200" b="1" dirty="0" err="1">
+                <a:solidFill>
+                  <a:prstClr val="white"/>
+                </a:solidFill>
+                <a:latin typeface="VNI-Times" pitchFamily="2" charset="0"/>
+              </a:rPr>
+              <a:t>vinh</a:t>
+            </a:r>
+            <a:r>
+              <a:rPr lang="en-US" sz="3200" b="1" dirty="0">
+                <a:solidFill>
+                  <a:prstClr val="white"/>
+                </a:solidFill>
+                <a:latin typeface="VNI-Times" pitchFamily="2" charset="0"/>
+              </a:rPr>
+              <a:t> </a:t>
+            </a:r>
+            <a:r>
+              <a:rPr lang="en-US" sz="3200" b="1" dirty="0" err="1">
+                <a:solidFill>
+                  <a:prstClr val="white"/>
+                </a:solidFill>
+                <a:latin typeface="VNI-Times" pitchFamily="2" charset="0"/>
+              </a:rPr>
+              <a:t>Chuùa</a:t>
+            </a:r>
+            <a:r>
+              <a:rPr lang="en-US" sz="3200" b="1" dirty="0">
+                <a:solidFill>
+                  <a:prstClr val="white"/>
+                </a:solidFill>
+                <a:latin typeface="VNI-Times" pitchFamily="2" charset="0"/>
+              </a:rPr>
+              <a:t> - </a:t>
+            </a:r>
+            <a:r>
+              <a:rPr lang="en-US" sz="3200" b="1" dirty="0" err="1">
+                <a:solidFill>
+                  <a:prstClr val="white"/>
+                </a:solidFill>
+                <a:latin typeface="VNI-Times" pitchFamily="2" charset="0"/>
+              </a:rPr>
+              <a:t>bieät</a:t>
+            </a:r>
+            <a:r>
+              <a:rPr lang="en-US" sz="3200" b="1" dirty="0">
+                <a:solidFill>
+                  <a:prstClr val="white"/>
+                </a:solidFill>
+                <a:latin typeface="VNI-Times" pitchFamily="2" charset="0"/>
+              </a:rPr>
+              <a:t> THAÙNH CA</a:t>
+            </a:r>
+            <a:endParaRPr lang="en-US" sz="3200" dirty="0">
               <a:solidFill>
                 <a:prstClr val="white"/>
               </a:solidFill>
-              <a:latin typeface="HP-Busorama" pitchFamily="34" charset="0"/>
+              <a:latin typeface="VNI-Times" pitchFamily="2" charset="0"/>
             </a:endParaRPr>
           </a:p>
         </p:txBody>
@@ -2429,20 +2447,14 @@
           <a:p>
             <a:pPr algn="ctr"/>
             <a:r>
-              <a:rPr lang="en-US" sz="8000" smtClean="0">
+              <a:rPr lang="en-US" sz="8000" b="1" dirty="0">
                 <a:solidFill>
                   <a:srgbClr val="FFFF00"/>
                 </a:solidFill>
-                <a:latin typeface="HP-Hong Hanh" pitchFamily="34" charset="0"/>
+                <a:latin typeface="VNI-Times" pitchFamily="2" charset="0"/>
               </a:rPr>
               <a:t>HUYEÀN DIEÄU ÑEÂM THAÙNH</a:t>
             </a:r>
-            <a:endParaRPr lang="en-US" sz="8000">
-              <a:solidFill>
-                <a:srgbClr val="FFFF00"/>
-              </a:solidFill>
-              <a:latin typeface="HP-Hong Hanh" pitchFamily="34" charset="0"/>
-            </a:endParaRPr>
           </a:p>
         </p:txBody>
       </p:sp>
@@ -2456,25 +2468,18 @@
   <p:clrMapOvr>
     <a:masterClrMapping/>
   </p:clrMapOvr>
-  <mc:AlternateContent xmlns:mc="http://schemas.openxmlformats.org/markup-compatibility/2006">
-    <mc:Choice xmlns:p14="http://schemas.microsoft.com/office/powerpoint/2010/main" Requires="p14">
+  <mc:AlternateContent xmlns:mc="http://schemas.openxmlformats.org/markup-compatibility/2006" xmlns:p14="http://schemas.microsoft.com/office/powerpoint/2010/main">
+    <mc:Choice Requires="p14">
       <p:transition spd="slow" p14:dur="800">
         <p:circle/>
       </p:transition>
     </mc:Choice>
-    <mc:Fallback>
+    <mc:Fallback xmlns="">
       <p:transition spd="slow">
         <p:circle/>
       </p:transition>
     </mc:Fallback>
   </mc:AlternateContent>
-  <p:timing>
-    <p:tnLst>
-      <p:par>
-        <p:cTn id="1" dur="indefinite" restart="never" nodeType="tmRoot"/>
-      </p:par>
-    </p:tnLst>
-  </p:timing>
 </p:sld>
 </file>
 
@@ -2519,7 +2524,7 @@
           <a:p>
             <a:pPr marL="1143000" indent="-1143000" algn="ctr"/>
             <a:r>
-              <a:rPr lang="en-US" sz="6600" b="1" smtClean="0">
+              <a:rPr lang="en-US" sz="6600" b="1">
                 <a:ln w="18415" cmpd="sng">
                   <a:solidFill>
                     <a:srgbClr val="FFFFFF"/>
@@ -2545,30 +2550,6 @@
               </a:rPr>
               <a:t>Haùt möøng </a:t>
             </a:r>
-            <a:endParaRPr lang="en-US" sz="6600" b="1">
-              <a:ln w="18415" cmpd="sng">
-                <a:solidFill>
-                  <a:srgbClr val="FFFFFF"/>
-                </a:solidFill>
-                <a:prstDash val="solid"/>
-              </a:ln>
-              <a:solidFill>
-                <a:srgbClr val="FFFFFF"/>
-              </a:solidFill>
-              <a:effectLst>
-                <a:glow rad="101600">
-                  <a:prstClr val="black">
-                    <a:alpha val="60000"/>
-                  </a:prstClr>
-                </a:glow>
-                <a:outerShdw blurRad="63500" dir="3600000" algn="tl" rotWithShape="0">
-                  <a:srgbClr val="000000">
-                    <a:alpha val="70000"/>
-                  </a:srgbClr>
-                </a:outerShdw>
-              </a:effectLst>
-              <a:latin typeface="VNI-Aptima" pitchFamily="2" charset="0"/>
-            </a:endParaRPr>
           </a:p>
           <a:p>
             <a:pPr marL="1143000" indent="-1143000" algn="ctr"/>
@@ -2597,10 +2578,13 @@
                 </a:effectLst>
                 <a:latin typeface="VNI-Aptima" pitchFamily="2" charset="0"/>
               </a:rPr>
-              <a:t>Chuùa </a:t>
-            </a:r>
-            <a:r>
-              <a:rPr lang="en-US" sz="6600" b="1" smtClean="0">
+              <a:t>Chuùa Jeâsus vöøa ra </a:t>
+            </a:r>
+          </a:p>
+          <a:p>
+            <a:pPr marL="1143000" indent="-1143000" algn="ctr"/>
+            <a:r>
+              <a:rPr lang="en-US" sz="6600" b="1">
                 <a:ln w="18415" cmpd="sng">
                   <a:solidFill>
                     <a:srgbClr val="FFFFFF"/>
@@ -2624,13 +2608,13 @@
                 </a:effectLst>
                 <a:latin typeface="VNI-Aptima" pitchFamily="2" charset="0"/>
               </a:rPr>
-              <a:t>Jeâsus vöøa ra </a:t>
+              <a:t>ñôøi, Ngaøi ñeán ban</a:t>
             </a:r>
           </a:p>
           <a:p>
             <a:pPr marL="1143000" indent="-1143000" algn="ctr"/>
             <a:r>
-              <a:rPr lang="en-US" sz="6600" b="1" smtClean="0">
+              <a:rPr lang="en-US" sz="6600" b="1">
                 <a:ln w="18415" cmpd="sng">
                   <a:solidFill>
                     <a:srgbClr val="FFFFFF"/>
@@ -2654,170 +2638,8 @@
                 </a:effectLst>
                 <a:latin typeface="VNI-Aptima" pitchFamily="2" charset="0"/>
               </a:rPr>
-              <a:t>ñôøi, Ngaøi </a:t>
-            </a:r>
-            <a:r>
-              <a:rPr lang="en-US" sz="6600" b="1">
-                <a:ln w="18415" cmpd="sng">
-                  <a:solidFill>
-                    <a:srgbClr val="FFFFFF"/>
-                  </a:solidFill>
-                  <a:prstDash val="solid"/>
-                </a:ln>
-                <a:solidFill>
-                  <a:srgbClr val="FFFFFF"/>
-                </a:solidFill>
-                <a:effectLst>
-                  <a:glow rad="101600">
-                    <a:prstClr val="black">
-                      <a:alpha val="60000"/>
-                    </a:prstClr>
-                  </a:glow>
-                  <a:outerShdw blurRad="63500" dir="3600000" algn="tl" rotWithShape="0">
-                    <a:srgbClr val="000000">
-                      <a:alpha val="70000"/>
-                    </a:srgbClr>
-                  </a:outerShdw>
-                </a:effectLst>
-                <a:latin typeface="VNI-Aptima" pitchFamily="2" charset="0"/>
-              </a:rPr>
-              <a:t>ñeán ban</a:t>
-            </a:r>
-          </a:p>
-          <a:p>
-            <a:pPr marL="1143000" indent="-1143000" algn="ctr"/>
-            <a:r>
-              <a:rPr lang="en-US" sz="6600" b="1">
-                <a:ln w="18415" cmpd="sng">
-                  <a:solidFill>
-                    <a:srgbClr val="FFFFFF"/>
-                  </a:solidFill>
-                  <a:prstDash val="solid"/>
-                </a:ln>
-                <a:solidFill>
-                  <a:srgbClr val="FFFFFF"/>
-                </a:solidFill>
-                <a:effectLst>
-                  <a:glow rad="101600">
-                    <a:prstClr val="black">
-                      <a:alpha val="60000"/>
-                    </a:prstClr>
-                  </a:glow>
-                  <a:outerShdw blurRad="63500" dir="3600000" algn="tl" rotWithShape="0">
-                    <a:srgbClr val="000000">
-                      <a:alpha val="70000"/>
-                    </a:srgbClr>
-                  </a:outerShdw>
-                </a:effectLst>
-                <a:latin typeface="VNI-Aptima" pitchFamily="2" charset="0"/>
-              </a:rPr>
-              <a:t>cho nieàm </a:t>
-            </a:r>
-            <a:r>
-              <a:rPr lang="en-US" sz="6600" b="1">
-                <a:ln w="18415" cmpd="sng">
-                  <a:solidFill>
-                    <a:srgbClr val="FFFFFF"/>
-                  </a:solidFill>
-                  <a:prstDash val="solid"/>
-                </a:ln>
-                <a:solidFill>
-                  <a:srgbClr val="FFFFFF"/>
-                </a:solidFill>
-                <a:effectLst>
-                  <a:glow rad="101600">
-                    <a:prstClr val="black">
-                      <a:alpha val="60000"/>
-                    </a:prstClr>
-                  </a:glow>
-                  <a:outerShdw blurRad="63500" dir="3600000" algn="tl" rotWithShape="0">
-                    <a:srgbClr val="000000">
-                      <a:alpha val="70000"/>
-                    </a:srgbClr>
-                  </a:outerShdw>
-                </a:effectLst>
-                <a:latin typeface="VNI-Aptima" pitchFamily="2" charset="0"/>
-              </a:rPr>
-              <a:t>hi </a:t>
-            </a:r>
-            <a:r>
-              <a:rPr lang="en-US" sz="6600" b="1" smtClean="0">
-                <a:ln w="18415" cmpd="sng">
-                  <a:solidFill>
-                    <a:srgbClr val="FFFFFF"/>
-                  </a:solidFill>
-                  <a:prstDash val="solid"/>
-                </a:ln>
-                <a:solidFill>
-                  <a:srgbClr val="FFFFFF"/>
-                </a:solidFill>
-                <a:effectLst>
-                  <a:glow rad="101600">
-                    <a:prstClr val="black">
-                      <a:alpha val="60000"/>
-                    </a:prstClr>
-                  </a:glow>
-                  <a:outerShdw blurRad="63500" dir="3600000" algn="tl" rotWithShape="0">
-                    <a:srgbClr val="000000">
-                      <a:alpha val="70000"/>
-                    </a:srgbClr>
-                  </a:outerShdw>
-                </a:effectLst>
-                <a:latin typeface="VNI-Aptima" pitchFamily="2" charset="0"/>
-              </a:rPr>
-              <a:t>voïng</a:t>
-            </a:r>
-            <a:r>
-              <a:rPr lang="en-US" sz="6600" b="1">
-                <a:ln w="18415" cmpd="sng">
-                  <a:solidFill>
-                    <a:srgbClr val="FFFFFF"/>
-                  </a:solidFill>
-                  <a:prstDash val="solid"/>
-                </a:ln>
-                <a:solidFill>
-                  <a:srgbClr val="FFFFFF"/>
-                </a:solidFill>
-                <a:effectLst>
-                  <a:glow rad="101600">
-                    <a:prstClr val="black">
-                      <a:alpha val="60000"/>
-                    </a:prstClr>
-                  </a:glow>
-                  <a:outerShdw blurRad="63500" dir="3600000" algn="tl" rotWithShape="0">
-                    <a:srgbClr val="000000">
-                      <a:alpha val="70000"/>
-                    </a:srgbClr>
-                  </a:outerShdw>
-                </a:effectLst>
-                <a:latin typeface="VNI-Aptima" pitchFamily="2" charset="0"/>
-              </a:rPr>
-              <a:t>.</a:t>
-            </a:r>
-            <a:endParaRPr lang="en-US" sz="6600" b="1">
-              <a:ln w="18415" cmpd="sng">
-                <a:solidFill>
-                  <a:srgbClr val="FFFFFF"/>
-                </a:solidFill>
-                <a:prstDash val="solid"/>
-              </a:ln>
-              <a:solidFill>
-                <a:srgbClr val="FFFFFF"/>
-              </a:solidFill>
-              <a:effectLst>
-                <a:glow rad="101600">
-                  <a:prstClr val="black">
-                    <a:alpha val="60000"/>
-                  </a:prstClr>
-                </a:glow>
-                <a:outerShdw blurRad="63500" dir="3600000" algn="tl" rotWithShape="0">
-                  <a:srgbClr val="000000">
-                    <a:alpha val="70000"/>
-                  </a:srgbClr>
-                </a:outerShdw>
-              </a:effectLst>
-              <a:latin typeface="VNI-Aptima" pitchFamily="2" charset="0"/>
-            </a:endParaRPr>
+              <a:t>cho nieàm hi voïng.</a:t>
+            </a:r>
           </a:p>
         </p:txBody>
       </p:sp>
@@ -2859,20 +2681,14 @@
               <a:defRPr/>
             </a:pPr>
             <a:r>
-              <a:rPr lang="en-US" sz="3200" b="1" smtClean="0">
+              <a:rPr lang="en-US" sz="3200" b="1" dirty="0">
                 <a:solidFill>
                   <a:srgbClr val="C00000"/>
                 </a:solidFill>
-                <a:latin typeface="HP-Meli" pitchFamily="34" charset="0"/>
+                <a:latin typeface="VNI-Times" pitchFamily="2" charset="0"/>
               </a:rPr>
               <a:t>HUYEÀN DIEÄU ÑEÂM THAÙNH</a:t>
             </a:r>
-            <a:endParaRPr lang="en-US" sz="3200" b="1">
-              <a:solidFill>
-                <a:srgbClr val="C00000"/>
-              </a:solidFill>
-              <a:latin typeface="HP-Meli" pitchFamily="34" charset="0"/>
-            </a:endParaRPr>
           </a:p>
         </p:txBody>
       </p:sp>
@@ -2887,13 +2703,6 @@
     <a:masterClrMapping/>
   </p:clrMapOvr>
   <p:transition/>
-  <p:timing>
-    <p:tnLst>
-      <p:par>
-        <p:cTn id="1" dur="indefinite" restart="never" nodeType="tmRoot"/>
-      </p:par>
-    </p:tnLst>
-  </p:timing>
 </p:sld>
 </file>
 
@@ -3065,20 +2874,14 @@
               <a:defRPr/>
             </a:pPr>
             <a:r>
-              <a:rPr lang="en-US" sz="3200" b="1" smtClean="0">
+              <a:rPr lang="en-US" sz="3200" b="1" dirty="0">
                 <a:solidFill>
                   <a:srgbClr val="C00000"/>
                 </a:solidFill>
-                <a:latin typeface="HP-Meli" pitchFamily="34" charset="0"/>
+                <a:latin typeface="VNI-Times" pitchFamily="2" charset="0"/>
               </a:rPr>
               <a:t>HUYEÀN DIEÄU ÑEÂM THAÙNH</a:t>
             </a:r>
-            <a:endParaRPr lang="en-US" sz="3200" b="1">
-              <a:solidFill>
-                <a:srgbClr val="C00000"/>
-              </a:solidFill>
-              <a:latin typeface="HP-Meli" pitchFamily="34" charset="0"/>
-            </a:endParaRPr>
           </a:p>
         </p:txBody>
       </p:sp>
@@ -3093,13 +2896,6 @@
     <a:masterClrMapping/>
   </p:clrMapOvr>
   <p:transition/>
-  <p:timing>
-    <p:tnLst>
-      <p:par>
-        <p:cTn id="1" dur="indefinite" restart="never" nodeType="tmRoot"/>
-      </p:par>
-    </p:tnLst>
-  </p:timing>
 </p:sld>
 </file>
 
@@ -3198,115 +2994,7 @@
                 </a:effectLst>
                 <a:latin typeface="VNI-Aptima" pitchFamily="2" charset="0"/>
               </a:rPr>
-              <a:t>laøm </a:t>
-            </a:r>
-            <a:r>
-              <a:rPr lang="en-US" sz="6600" b="1" smtClean="0">
-                <a:ln w="18415" cmpd="sng">
-                  <a:solidFill>
-                    <a:srgbClr val="FFFFFF"/>
-                  </a:solidFill>
-                  <a:prstDash val="solid"/>
-                </a:ln>
-                <a:solidFill>
-                  <a:srgbClr val="FFFFFF"/>
-                </a:solidFill>
-                <a:effectLst>
-                  <a:glow rad="101600">
-                    <a:prstClr val="black">
-                      <a:alpha val="60000"/>
-                    </a:prstClr>
-                  </a:glow>
-                  <a:outerShdw blurRad="63500" dir="3600000" algn="tl" rotWithShape="0">
-                    <a:srgbClr val="000000">
-                      <a:alpha val="70000"/>
-                    </a:srgbClr>
-                  </a:outerShdw>
-                </a:effectLst>
-                <a:latin typeface="VNI-Aptima" pitchFamily="2" charset="0"/>
-              </a:rPr>
-              <a:t>con </a:t>
-            </a:r>
-            <a:r>
-              <a:rPr lang="en-US" sz="6600" b="1">
-                <a:ln w="18415" cmpd="sng">
-                  <a:solidFill>
-                    <a:srgbClr val="FFFFFF"/>
-                  </a:solidFill>
-                  <a:prstDash val="solid"/>
-                </a:ln>
-                <a:solidFill>
-                  <a:srgbClr val="FFFFFF"/>
-                </a:solidFill>
-                <a:effectLst>
-                  <a:glow rad="101600">
-                    <a:prstClr val="black">
-                      <a:alpha val="60000"/>
-                    </a:prstClr>
-                  </a:glow>
-                  <a:outerShdw blurRad="63500" dir="3600000" algn="tl" rotWithShape="0">
-                    <a:srgbClr val="000000">
-                      <a:alpha val="70000"/>
-                    </a:srgbClr>
-                  </a:outerShdw>
-                </a:effectLst>
-                <a:latin typeface="VNI-Aptima" pitchFamily="2" charset="0"/>
-              </a:rPr>
-              <a:t>n</a:t>
-            </a:r>
-            <a:r>
-              <a:rPr lang="en-US" sz="6600" b="1" smtClean="0">
-                <a:ln w="18415" cmpd="sng">
-                  <a:solidFill>
-                    <a:srgbClr val="FFFFFF"/>
-                  </a:solidFill>
-                  <a:prstDash val="solid"/>
-                </a:ln>
-                <a:solidFill>
-                  <a:srgbClr val="FFFFFF"/>
-                </a:solidFill>
-                <a:effectLst>
-                  <a:glow rad="101600">
-                    <a:prstClr val="black">
-                      <a:alpha val="60000"/>
-                    </a:prstClr>
-                  </a:glow>
-                  <a:outerShdw blurRad="63500" dir="3600000" algn="tl" rotWithShape="0">
-                    <a:srgbClr val="000000">
-                      <a:alpha val="70000"/>
-                    </a:srgbClr>
-                  </a:outerShdw>
-                </a:effectLst>
-                <a:latin typeface="VNI-Aptima" pitchFamily="2" charset="0"/>
-              </a:rPr>
-              <a:t>göôøi</a:t>
-            </a:r>
-            <a:r>
-              <a:rPr lang="en-US" sz="6600" b="1">
-                <a:ln w="18415" cmpd="sng">
-                  <a:solidFill>
-                    <a:srgbClr val="FFFFFF"/>
-                  </a:solidFill>
-                  <a:prstDash val="solid"/>
-                </a:ln>
-                <a:solidFill>
-                  <a:srgbClr val="FFFFFF"/>
-                </a:solidFill>
-                <a:effectLst>
-                  <a:glow rad="101600">
-                    <a:prstClr val="black">
-                      <a:alpha val="60000"/>
-                    </a:prstClr>
-                  </a:glow>
-                  <a:outerShdw blurRad="63500" dir="3600000" algn="tl" rotWithShape="0">
-                    <a:srgbClr val="000000">
-                      <a:alpha val="70000"/>
-                    </a:srgbClr>
-                  </a:outerShdw>
-                </a:effectLst>
-                <a:latin typeface="VNI-Aptima" pitchFamily="2" charset="0"/>
-              </a:rPr>
-              <a:t>,</a:t>
+              <a:t>laøm con ngöôøi,</a:t>
             </a:r>
           </a:p>
           <a:p>
@@ -3409,20 +3097,14 @@
               <a:defRPr/>
             </a:pPr>
             <a:r>
-              <a:rPr lang="en-US" sz="3200" b="1" smtClean="0">
+              <a:rPr lang="en-US" sz="3200" b="1" dirty="0">
                 <a:solidFill>
                   <a:srgbClr val="C00000"/>
                 </a:solidFill>
-                <a:latin typeface="HP-Meli" pitchFamily="34" charset="0"/>
+                <a:latin typeface="VNI-Times" pitchFamily="2" charset="0"/>
               </a:rPr>
               <a:t>HUYEÀN DIEÄU ÑEÂM THAÙNH</a:t>
             </a:r>
-            <a:endParaRPr lang="en-US" sz="3200" b="1">
-              <a:solidFill>
-                <a:srgbClr val="C00000"/>
-              </a:solidFill>
-              <a:latin typeface="HP-Meli" pitchFamily="34" charset="0"/>
-            </a:endParaRPr>
           </a:p>
         </p:txBody>
       </p:sp>
@@ -3437,13 +3119,6 @@
     <a:masterClrMapping/>
   </p:clrMapOvr>
   <p:transition/>
-  <p:timing>
-    <p:tnLst>
-      <p:par>
-        <p:cTn id="1" dur="indefinite" restart="never" nodeType="tmRoot"/>
-      </p:par>
-    </p:tnLst>
-  </p:timing>
 </p:sld>
 </file>
 
@@ -3645,20 +3320,14 @@
               <a:defRPr/>
             </a:pPr>
             <a:r>
-              <a:rPr lang="en-US" sz="3200" b="1" smtClean="0">
+              <a:rPr lang="en-US" sz="3200" b="1" dirty="0">
                 <a:solidFill>
                   <a:srgbClr val="C00000"/>
                 </a:solidFill>
-                <a:latin typeface="HP-Meli" pitchFamily="34" charset="0"/>
+                <a:latin typeface="VNI-Times" pitchFamily="2" charset="0"/>
               </a:rPr>
               <a:t>HUYEÀN DIEÄU ÑEÂM THAÙNH</a:t>
             </a:r>
-            <a:endParaRPr lang="en-US" sz="3200" b="1">
-              <a:solidFill>
-                <a:srgbClr val="C00000"/>
-              </a:solidFill>
-              <a:latin typeface="HP-Meli" pitchFamily="34" charset="0"/>
-            </a:endParaRPr>
           </a:p>
         </p:txBody>
       </p:sp>
@@ -3673,13 +3342,6 @@
     <a:masterClrMapping/>
   </p:clrMapOvr>
   <p:transition/>
-  <p:timing>
-    <p:tnLst>
-      <p:par>
-        <p:cTn id="1" dur="indefinite" restart="never" nodeType="tmRoot"/>
-      </p:par>
-    </p:tnLst>
-  </p:timing>
 </p:sld>
 </file>
 
@@ -3857,20 +3519,14 @@
               <a:defRPr/>
             </a:pPr>
             <a:r>
-              <a:rPr lang="en-US" sz="3200" b="1" smtClean="0">
+              <a:rPr lang="en-US" sz="3200" b="1" dirty="0">
                 <a:solidFill>
                   <a:srgbClr val="C00000"/>
                 </a:solidFill>
-                <a:latin typeface="HP-Meli" pitchFamily="34" charset="0"/>
+                <a:latin typeface="VNI-Times" pitchFamily="2" charset="0"/>
               </a:rPr>
               <a:t>HUYEÀN DIEÄU ÑEÂM THAÙNH</a:t>
             </a:r>
-            <a:endParaRPr lang="en-US" sz="3200" b="1">
-              <a:solidFill>
-                <a:srgbClr val="C00000"/>
-              </a:solidFill>
-              <a:latin typeface="HP-Meli" pitchFamily="34" charset="0"/>
-            </a:endParaRPr>
           </a:p>
         </p:txBody>
       </p:sp>
@@ -3887,13 +3543,6 @@
   <p:transition spd="slow">
     <p:randomBar dir="vert"/>
   </p:transition>
-  <p:timing>
-    <p:tnLst>
-      <p:par>
-        <p:cTn id="1" dur="indefinite" restart="never" nodeType="tmRoot"/>
-      </p:par>
-    </p:tnLst>
-  </p:timing>
 </p:sld>
 </file>
 
@@ -4065,20 +3714,14 @@
               <a:defRPr/>
             </a:pPr>
             <a:r>
-              <a:rPr lang="en-US" sz="3200" b="1" smtClean="0">
+              <a:rPr lang="en-US" sz="3200" b="1" dirty="0">
                 <a:solidFill>
                   <a:srgbClr val="C00000"/>
                 </a:solidFill>
-                <a:latin typeface="HP-Meli" pitchFamily="34" charset="0"/>
+                <a:latin typeface="VNI-Times" pitchFamily="2" charset="0"/>
               </a:rPr>
               <a:t>HUYEÀN DIEÄU ÑEÂM THAÙNH</a:t>
             </a:r>
-            <a:endParaRPr lang="en-US" sz="3200" b="1">
-              <a:solidFill>
-                <a:srgbClr val="C00000"/>
-              </a:solidFill>
-              <a:latin typeface="HP-Meli" pitchFamily="34" charset="0"/>
-            </a:endParaRPr>
           </a:p>
         </p:txBody>
       </p:sp>
@@ -4093,13 +3736,6 @@
     <a:masterClrMapping/>
   </p:clrMapOvr>
   <p:transition/>
-  <p:timing>
-    <p:tnLst>
-      <p:par>
-        <p:cTn id="1" dur="indefinite" restart="never" nodeType="tmRoot"/>
-      </p:par>
-    </p:tnLst>
-  </p:timing>
 </p:sld>
 </file>
 
@@ -4363,59 +3999,8 @@
                 </a:effectLst>
                 <a:latin typeface="VNI-Aptima" pitchFamily="2" charset="0"/>
               </a:rPr>
-              <a:t> Ngaøi</a:t>
-            </a:r>
-            <a:r>
-              <a:rPr lang="en-US" sz="6600" b="1">
-                <a:ln w="18415" cmpd="sng">
-                  <a:solidFill>
-                    <a:srgbClr val="FFFFFF"/>
-                  </a:solidFill>
-                  <a:prstDash val="solid"/>
-                </a:ln>
-                <a:solidFill>
-                  <a:srgbClr val="FFFFFF"/>
-                </a:solidFill>
-                <a:effectLst>
-                  <a:glow rad="101600">
-                    <a:prstClr val="black">
-                      <a:alpha val="60000"/>
-                    </a:prstClr>
-                  </a:glow>
-                  <a:outerShdw blurRad="63500" dir="3600000" algn="tl" rotWithShape="0">
-                    <a:srgbClr val="000000">
-                      <a:alpha val="70000"/>
-                    </a:srgbClr>
-                  </a:outerShdw>
-                </a:effectLst>
-                <a:latin typeface="VNI-Aptima" pitchFamily="2" charset="0"/>
-              </a:rPr>
-              <a:t>. </a:t>
-            </a:r>
-            <a:endParaRPr lang="en-US" sz="6600" b="1">
-              <a:ln w="18415" cmpd="sng">
-                <a:solidFill>
-                  <a:srgbClr val="FFFFFF"/>
-                </a:solidFill>
-                <a:prstDash val="solid"/>
-              </a:ln>
-              <a:solidFill>
-                <a:srgbClr val="FFFFFF"/>
-              </a:solidFill>
-              <a:effectLst>
-                <a:glow rad="101600">
-                  <a:prstClr val="black">
-                    <a:alpha val="60000"/>
-                  </a:prstClr>
-                </a:glow>
-                <a:outerShdw blurRad="63500" dir="3600000" algn="tl" rotWithShape="0">
-                  <a:srgbClr val="000000">
-                    <a:alpha val="70000"/>
-                  </a:srgbClr>
-                </a:outerShdw>
-              </a:effectLst>
-              <a:latin typeface="VNI-Aptima" pitchFamily="2" charset="0"/>
-            </a:endParaRPr>
+              <a:t> Ngaøi. </a:t>
+            </a:r>
           </a:p>
         </p:txBody>
       </p:sp>
@@ -4457,20 +4042,14 @@
               <a:defRPr/>
             </a:pPr>
             <a:r>
-              <a:rPr lang="en-US" sz="3200" b="1" smtClean="0">
+              <a:rPr lang="en-US" sz="3200" b="1" dirty="0">
                 <a:solidFill>
                   <a:srgbClr val="C00000"/>
                 </a:solidFill>
-                <a:latin typeface="HP-Meli" pitchFamily="34" charset="0"/>
+                <a:latin typeface="VNI-Times" pitchFamily="2" charset="0"/>
               </a:rPr>
               <a:t>HUYEÀN DIEÄU ÑEÂM THAÙNH</a:t>
             </a:r>
-            <a:endParaRPr lang="en-US" sz="3200" b="1">
-              <a:solidFill>
-                <a:srgbClr val="C00000"/>
-              </a:solidFill>
-              <a:latin typeface="HP-Meli" pitchFamily="34" charset="0"/>
-            </a:endParaRPr>
           </a:p>
         </p:txBody>
       </p:sp>
@@ -4485,13 +4064,6 @@
     <a:masterClrMapping/>
   </p:clrMapOvr>
   <p:transition/>
-  <p:timing>
-    <p:tnLst>
-      <p:par>
-        <p:cTn id="1" dur="indefinite" restart="never" nodeType="tmRoot"/>
-      </p:par>
-    </p:tnLst>
-  </p:timing>
 </p:sld>
 </file>
 
@@ -4596,7 +4168,7 @@
           <a:p>
             <a:pPr marL="1143000" indent="-1143000" algn="ctr"/>
             <a:r>
-              <a:rPr lang="en-US" sz="6600" b="1" smtClean="0">
+              <a:rPr lang="en-US" sz="6600" b="1">
                 <a:ln w="18415" cmpd="sng">
                   <a:solidFill>
                     <a:srgbClr val="FFFFFF"/>
@@ -4620,34 +4192,7 @@
                 </a:effectLst>
                 <a:latin typeface="VNI-Aptima" pitchFamily="2" charset="0"/>
               </a:rPr>
-              <a:t>Jeâsus ra </a:t>
-            </a:r>
-            <a:r>
-              <a:rPr lang="en-US" sz="6600" b="1">
-                <a:ln w="18415" cmpd="sng">
-                  <a:solidFill>
-                    <a:srgbClr val="FFFFFF"/>
-                  </a:solidFill>
-                  <a:prstDash val="solid"/>
-                </a:ln>
-                <a:solidFill>
-                  <a:srgbClr val="FFFFFF"/>
-                </a:solidFill>
-                <a:effectLst>
-                  <a:glow rad="101600">
-                    <a:prstClr val="black">
-                      <a:alpha val="60000"/>
-                    </a:prstClr>
-                  </a:glow>
-                  <a:outerShdw blurRad="63500" dir="3600000" algn="tl" rotWithShape="0">
-                    <a:srgbClr val="000000">
-                      <a:alpha val="70000"/>
-                    </a:srgbClr>
-                  </a:outerShdw>
-                </a:effectLst>
-                <a:latin typeface="VNI-Aptima" pitchFamily="2" charset="0"/>
-              </a:rPr>
-              <a:t>ñôøi.</a:t>
+              <a:t>Jeâsus ra ñôøi.</a:t>
             </a:r>
           </a:p>
         </p:txBody>
@@ -4690,20 +4235,14 @@
               <a:defRPr/>
             </a:pPr>
             <a:r>
-              <a:rPr lang="en-US" sz="3200" b="1" smtClean="0">
+              <a:rPr lang="en-US" sz="3200" b="1" dirty="0">
                 <a:solidFill>
                   <a:srgbClr val="C00000"/>
                 </a:solidFill>
-                <a:latin typeface="HP-Meli" pitchFamily="34" charset="0"/>
+                <a:latin typeface="VNI-Times" pitchFamily="2" charset="0"/>
               </a:rPr>
               <a:t>HUYEÀN DIEÄU ÑEÂM THAÙNH</a:t>
             </a:r>
-            <a:endParaRPr lang="en-US" sz="3200" b="1">
-              <a:solidFill>
-                <a:srgbClr val="C00000"/>
-              </a:solidFill>
-              <a:latin typeface="HP-Meli" pitchFamily="34" charset="0"/>
-            </a:endParaRPr>
           </a:p>
         </p:txBody>
       </p:sp>
@@ -4718,13 +4257,6 @@
     <a:masterClrMapping/>
   </p:clrMapOvr>
   <p:transition/>
-  <p:timing>
-    <p:tnLst>
-      <p:par>
-        <p:cTn id="1" dur="indefinite" restart="never" nodeType="tmRoot"/>
-      </p:par>
-    </p:tnLst>
-  </p:timing>
 </p:sld>
 </file>
 
@@ -4896,20 +4428,14 @@
               <a:defRPr/>
             </a:pPr>
             <a:r>
-              <a:rPr lang="en-US" sz="3200" b="1" smtClean="0">
+              <a:rPr lang="en-US" sz="3200" b="1" dirty="0">
                 <a:solidFill>
                   <a:srgbClr val="C00000"/>
                 </a:solidFill>
-                <a:latin typeface="HP-Meli" pitchFamily="34" charset="0"/>
+                <a:latin typeface="VNI-Times" pitchFamily="2" charset="0"/>
               </a:rPr>
               <a:t>HUYEÀN DIEÄU ÑEÂM THAÙNH</a:t>
             </a:r>
-            <a:endParaRPr lang="en-US" sz="3200" b="1">
-              <a:solidFill>
-                <a:srgbClr val="C00000"/>
-              </a:solidFill>
-              <a:latin typeface="HP-Meli" pitchFamily="34" charset="0"/>
-            </a:endParaRPr>
           </a:p>
         </p:txBody>
       </p:sp>
@@ -4924,13 +4450,6 @@
     <a:masterClrMapping/>
   </p:clrMapOvr>
   <p:transition/>
-  <p:timing>
-    <p:tnLst>
-      <p:par>
-        <p:cTn id="1" dur="indefinite" restart="never" nodeType="tmRoot"/>
-      </p:par>
-    </p:tnLst>
-  </p:timing>
 </p:sld>
 </file>
 
@@ -5072,20 +4591,14 @@
               <a:defRPr/>
             </a:pPr>
             <a:r>
-              <a:rPr lang="en-US" sz="3200" b="1" smtClean="0">
+              <a:rPr lang="en-US" sz="3200" b="1" dirty="0">
                 <a:solidFill>
                   <a:srgbClr val="C00000"/>
                 </a:solidFill>
-                <a:latin typeface="HP-Meli" pitchFamily="34" charset="0"/>
+                <a:latin typeface="VNI-Times" pitchFamily="2" charset="0"/>
               </a:rPr>
               <a:t>HUYEÀN DIEÄU ÑEÂM THAÙNH</a:t>
             </a:r>
-            <a:endParaRPr lang="en-US" sz="3200" b="1">
-              <a:solidFill>
-                <a:srgbClr val="C00000"/>
-              </a:solidFill>
-              <a:latin typeface="HP-Meli" pitchFamily="34" charset="0"/>
-            </a:endParaRPr>
           </a:p>
         </p:txBody>
       </p:sp>
@@ -5100,13 +4613,6 @@
     <a:masterClrMapping/>
   </p:clrMapOvr>
   <p:transition/>
-  <p:timing>
-    <p:tnLst>
-      <p:par>
-        <p:cTn id="1" dur="indefinite" restart="never" nodeType="tmRoot"/>
-      </p:par>
-    </p:tnLst>
-  </p:timing>
 </p:sld>
 </file>
 
@@ -5205,10 +4711,13 @@
                 </a:effectLst>
                 <a:latin typeface="VNI-Aptima" pitchFamily="2" charset="0"/>
               </a:rPr>
-              <a:t>trong </a:t>
-            </a:r>
-            <a:r>
-              <a:rPr lang="en-US" sz="6600" b="1" smtClean="0">
+              <a:t>trong toâi töø nay </a:t>
+            </a:r>
+          </a:p>
+          <a:p>
+            <a:pPr marL="1143000" indent="-1143000" algn="ctr"/>
+            <a:r>
+              <a:rPr lang="en-US" sz="6600" b="1">
                 <a:ln w="18415" cmpd="sng">
                   <a:solidFill>
                     <a:srgbClr val="FFFFFF"/>
@@ -5232,167 +4741,8 @@
                 </a:effectLst>
                 <a:latin typeface="VNI-Aptima" pitchFamily="2" charset="0"/>
               </a:rPr>
-              <a:t>toâi töø </a:t>
-            </a:r>
-            <a:r>
-              <a:rPr lang="en-US" sz="6600" b="1">
-                <a:ln w="18415" cmpd="sng">
-                  <a:solidFill>
-                    <a:srgbClr val="FFFFFF"/>
-                  </a:solidFill>
-                  <a:prstDash val="solid"/>
-                </a:ln>
-                <a:solidFill>
-                  <a:srgbClr val="FFFFFF"/>
-                </a:solidFill>
-                <a:effectLst>
-                  <a:glow rad="101600">
-                    <a:prstClr val="black">
-                      <a:alpha val="60000"/>
-                    </a:prstClr>
-                  </a:glow>
-                  <a:outerShdw blurRad="63500" dir="3600000" algn="tl" rotWithShape="0">
-                    <a:srgbClr val="000000">
-                      <a:alpha val="70000"/>
-                    </a:srgbClr>
-                  </a:outerShdw>
-                </a:effectLst>
-                <a:latin typeface="VNI-Aptima" pitchFamily="2" charset="0"/>
-              </a:rPr>
-              <a:t>nay </a:t>
-            </a:r>
-            <a:endParaRPr lang="en-US" sz="6600" b="1" smtClean="0">
-              <a:ln w="18415" cmpd="sng">
-                <a:solidFill>
-                  <a:srgbClr val="FFFFFF"/>
-                </a:solidFill>
-                <a:prstDash val="solid"/>
-              </a:ln>
-              <a:solidFill>
-                <a:srgbClr val="FFFFFF"/>
-              </a:solidFill>
-              <a:effectLst>
-                <a:glow rad="101600">
-                  <a:prstClr val="black">
-                    <a:alpha val="60000"/>
-                  </a:prstClr>
-                </a:glow>
-                <a:outerShdw blurRad="63500" dir="3600000" algn="tl" rotWithShape="0">
-                  <a:srgbClr val="000000">
-                    <a:alpha val="70000"/>
-                  </a:srgbClr>
-                </a:outerShdw>
-              </a:effectLst>
-              <a:latin typeface="VNI-Aptima" pitchFamily="2" charset="0"/>
-            </a:endParaRPr>
-          </a:p>
-          <a:p>
-            <a:pPr marL="1143000" indent="-1143000" algn="ctr"/>
-            <a:r>
-              <a:rPr lang="en-US" sz="6600" b="1" smtClean="0">
-                <a:ln w="18415" cmpd="sng">
-                  <a:solidFill>
-                    <a:srgbClr val="FFFFFF"/>
-                  </a:solidFill>
-                  <a:prstDash val="solid"/>
-                </a:ln>
-                <a:solidFill>
-                  <a:srgbClr val="FFFFFF"/>
-                </a:solidFill>
-                <a:effectLst>
-                  <a:glow rad="101600">
-                    <a:prstClr val="black">
-                      <a:alpha val="60000"/>
-                    </a:prstClr>
-                  </a:glow>
-                  <a:outerShdw blurRad="63500" dir="3600000" algn="tl" rotWithShape="0">
-                    <a:srgbClr val="000000">
-                      <a:alpha val="70000"/>
-                    </a:srgbClr>
-                  </a:outerShdw>
-                </a:effectLst>
-                <a:latin typeface="VNI-Aptima" pitchFamily="2" charset="0"/>
-              </a:rPr>
-              <a:t>ñaõ khuaát </a:t>
-            </a:r>
-            <a:r>
-              <a:rPr lang="en-US" sz="6600" b="1">
-                <a:ln w="18415" cmpd="sng">
-                  <a:solidFill>
-                    <a:srgbClr val="FFFFFF"/>
-                  </a:solidFill>
-                  <a:prstDash val="solid"/>
-                </a:ln>
-                <a:solidFill>
-                  <a:srgbClr val="FFFFFF"/>
-                </a:solidFill>
-                <a:effectLst>
-                  <a:glow rad="101600">
-                    <a:prstClr val="black">
-                      <a:alpha val="60000"/>
-                    </a:prstClr>
-                  </a:glow>
-                  <a:outerShdw blurRad="63500" dir="3600000" algn="tl" rotWithShape="0">
-                    <a:srgbClr val="000000">
-                      <a:alpha val="70000"/>
-                    </a:srgbClr>
-                  </a:outerShdw>
-                </a:effectLst>
-                <a:latin typeface="VNI-Aptima" pitchFamily="2" charset="0"/>
-              </a:rPr>
-              <a:t>xa </a:t>
-            </a:r>
-            <a:r>
-              <a:rPr lang="en-US" sz="6600" b="1" smtClean="0">
-                <a:ln w="18415" cmpd="sng">
-                  <a:solidFill>
-                    <a:srgbClr val="FFFFFF"/>
-                  </a:solidFill>
-                  <a:prstDash val="solid"/>
-                </a:ln>
-                <a:solidFill>
-                  <a:srgbClr val="FFFFFF"/>
-                </a:solidFill>
-                <a:effectLst>
-                  <a:glow rad="101600">
-                    <a:prstClr val="black">
-                      <a:alpha val="60000"/>
-                    </a:prstClr>
-                  </a:glow>
-                  <a:outerShdw blurRad="63500" dir="3600000" algn="tl" rotWithShape="0">
-                    <a:srgbClr val="000000">
-                      <a:alpha val="70000"/>
-                    </a:srgbClr>
-                  </a:outerShdw>
-                </a:effectLst>
-                <a:latin typeface="VNI-Aptima" pitchFamily="2" charset="0"/>
-              </a:rPr>
-              <a:t>roài.</a:t>
-            </a:r>
-            <a:endParaRPr lang="en-US" sz="6600" b="1">
-              <a:ln w="18415" cmpd="sng">
-                <a:solidFill>
-                  <a:srgbClr val="FFFFFF"/>
-                </a:solidFill>
-                <a:prstDash val="solid"/>
-              </a:ln>
-              <a:solidFill>
-                <a:srgbClr val="FFFFFF"/>
-              </a:solidFill>
-              <a:effectLst>
-                <a:glow rad="101600">
-                  <a:prstClr val="black">
-                    <a:alpha val="60000"/>
-                  </a:prstClr>
-                </a:glow>
-                <a:outerShdw blurRad="63500" dir="3600000" algn="tl" rotWithShape="0">
-                  <a:srgbClr val="000000">
-                    <a:alpha val="70000"/>
-                  </a:srgbClr>
-                </a:outerShdw>
-              </a:effectLst>
-              <a:latin typeface="VNI-Aptima" pitchFamily="2" charset="0"/>
-            </a:endParaRPr>
+              <a:t>ñaõ khuaát xa roài.</a:t>
+            </a:r>
           </a:p>
         </p:txBody>
       </p:sp>
@@ -5434,20 +4784,14 @@
               <a:defRPr/>
             </a:pPr>
             <a:r>
-              <a:rPr lang="en-US" sz="3200" b="1" smtClean="0">
+              <a:rPr lang="en-US" sz="3200" b="1" dirty="0">
                 <a:solidFill>
                   <a:srgbClr val="C00000"/>
                 </a:solidFill>
-                <a:latin typeface="HP-Meli" pitchFamily="34" charset="0"/>
+                <a:latin typeface="VNI-Times" pitchFamily="2" charset="0"/>
               </a:rPr>
               <a:t>HUYEÀN DIEÄU ÑEÂM THAÙNH</a:t>
             </a:r>
-            <a:endParaRPr lang="en-US" sz="3200" b="1">
-              <a:solidFill>
-                <a:srgbClr val="C00000"/>
-              </a:solidFill>
-              <a:latin typeface="HP-Meli" pitchFamily="34" charset="0"/>
-            </a:endParaRPr>
           </a:p>
         </p:txBody>
       </p:sp>
@@ -5462,13 +4806,6 @@
     <a:masterClrMapping/>
   </p:clrMapOvr>
   <p:transition/>
-  <p:timing>
-    <p:tnLst>
-      <p:par>
-        <p:cTn id="1" dur="indefinite" restart="never" nodeType="tmRoot"/>
-      </p:par>
-    </p:tnLst>
-  </p:timing>
 </p:sld>
 </file>
 
@@ -5537,8 +4874,11 @@
                 </a:effectLst>
                 <a:latin typeface="VNI-Aptima" pitchFamily="2" charset="0"/>
               </a:rPr>
-              <a:t>Vì Chuùa </a:t>
-            </a:r>
+              <a:t>Vì Chuùa ñeán </a:t>
+            </a:r>
+          </a:p>
+          <a:p>
+            <a:pPr marL="1143000" indent="-1143000" algn="ctr"/>
             <a:r>
               <a:rPr lang="en-US" sz="6600" b="1">
                 <a:ln w="18415" cmpd="sng">
@@ -5564,37 +4904,13 @@
                 </a:effectLst>
                 <a:latin typeface="VNI-Aptima" pitchFamily="2" charset="0"/>
               </a:rPr>
-              <a:t>ñeán </a:t>
-            </a:r>
-            <a:endParaRPr lang="en-US" sz="6600" b="1">
-              <a:ln w="18415" cmpd="sng">
-                <a:solidFill>
-                  <a:srgbClr val="FFFFFF"/>
-                </a:solidFill>
-                <a:prstDash val="solid"/>
-              </a:ln>
-              <a:solidFill>
-                <a:srgbClr val="FFFFFF"/>
-              </a:solidFill>
-              <a:effectLst>
-                <a:glow rad="101600">
-                  <a:prstClr val="black">
-                    <a:alpha val="60000"/>
-                  </a:prstClr>
-                </a:glow>
-                <a:outerShdw blurRad="63500" dir="3600000" algn="tl" rotWithShape="0">
-                  <a:srgbClr val="000000">
-                    <a:alpha val="70000"/>
-                  </a:srgbClr>
-                </a:outerShdw>
-              </a:effectLst>
-              <a:latin typeface="VNI-Aptima" pitchFamily="2" charset="0"/>
-            </a:endParaRPr>
+              <a:t>ban nieàm vui cho </a:t>
+            </a:r>
           </a:p>
           <a:p>
             <a:pPr marL="1143000" indent="-1143000" algn="ctr"/>
             <a:r>
-              <a:rPr lang="en-US" sz="6600" b="1" smtClean="0">
+              <a:rPr lang="en-US" sz="6600" b="1">
                 <a:ln w="18415" cmpd="sng">
                   <a:solidFill>
                     <a:srgbClr val="FFFFFF"/>
@@ -5618,64 +4934,7 @@
                 </a:effectLst>
                 <a:latin typeface="VNI-Aptima" pitchFamily="2" charset="0"/>
               </a:rPr>
-              <a:t>ban nieàm vui cho </a:t>
-            </a:r>
-          </a:p>
-          <a:p>
-            <a:pPr marL="1143000" indent="-1143000" algn="ctr"/>
-            <a:r>
-              <a:rPr lang="en-US" sz="6600" b="1" smtClean="0">
-                <a:ln w="18415" cmpd="sng">
-                  <a:solidFill>
-                    <a:srgbClr val="FFFFFF"/>
-                  </a:solidFill>
-                  <a:prstDash val="solid"/>
-                </a:ln>
-                <a:solidFill>
-                  <a:srgbClr val="FFFFFF"/>
-                </a:solidFill>
-                <a:effectLst>
-                  <a:glow rad="101600">
-                    <a:prstClr val="black">
-                      <a:alpha val="60000"/>
-                    </a:prstClr>
-                  </a:glow>
-                  <a:outerShdw blurRad="63500" dir="3600000" algn="tl" rotWithShape="0">
-                    <a:srgbClr val="000000">
-                      <a:alpha val="70000"/>
-                    </a:srgbClr>
-                  </a:outerShdw>
-                </a:effectLst>
-                <a:latin typeface="VNI-Aptima" pitchFamily="2" charset="0"/>
-              </a:rPr>
-              <a:t>loøng </a:t>
-            </a:r>
-            <a:r>
-              <a:rPr lang="en-US" sz="6600" b="1">
-                <a:ln w="18415" cmpd="sng">
-                  <a:solidFill>
-                    <a:srgbClr val="FFFFFF"/>
-                  </a:solidFill>
-                  <a:prstDash val="solid"/>
-                </a:ln>
-                <a:solidFill>
-                  <a:srgbClr val="FFFFFF"/>
-                </a:solidFill>
-                <a:effectLst>
-                  <a:glow rad="101600">
-                    <a:prstClr val="black">
-                      <a:alpha val="60000"/>
-                    </a:prstClr>
-                  </a:glow>
-                  <a:outerShdw blurRad="63500" dir="3600000" algn="tl" rotWithShape="0">
-                    <a:srgbClr val="000000">
-                      <a:alpha val="70000"/>
-                    </a:srgbClr>
-                  </a:outerShdw>
-                </a:effectLst>
-                <a:latin typeface="VNI-Aptima" pitchFamily="2" charset="0"/>
-              </a:rPr>
-              <a:t>töôi môùi.</a:t>
+              <a:t>loøng töôi môùi.</a:t>
             </a:r>
           </a:p>
         </p:txBody>
@@ -5718,20 +4977,14 @@
               <a:defRPr/>
             </a:pPr>
             <a:r>
-              <a:rPr lang="en-US" sz="3200" b="1" smtClean="0">
+              <a:rPr lang="en-US" sz="3200" b="1" dirty="0">
                 <a:solidFill>
                   <a:srgbClr val="C00000"/>
                 </a:solidFill>
-                <a:latin typeface="HP-Meli" pitchFamily="34" charset="0"/>
+                <a:latin typeface="VNI-Times" pitchFamily="2" charset="0"/>
               </a:rPr>
               <a:t>HUYEÀN DIEÄU ÑEÂM THAÙNH</a:t>
             </a:r>
-            <a:endParaRPr lang="en-US" sz="3200" b="1">
-              <a:solidFill>
-                <a:srgbClr val="C00000"/>
-              </a:solidFill>
-              <a:latin typeface="HP-Meli" pitchFamily="34" charset="0"/>
-            </a:endParaRPr>
           </a:p>
         </p:txBody>
       </p:sp>
@@ -5746,13 +4999,6 @@
     <a:masterClrMapping/>
   </p:clrMapOvr>
   <p:transition/>
-  <p:timing>
-    <p:tnLst>
-      <p:par>
-        <p:cTn id="1" dur="indefinite" restart="never" nodeType="tmRoot"/>
-      </p:par>
-    </p:tnLst>
-  </p:timing>
 </p:sld>
 </file>
 
